--- a/text/defense/Defense.pptx
+++ b/text/defense/Defense.pptx
@@ -5,7 +5,7 @@
     <p:sldMasterId id="2147483743" r:id="rId1"/>
   </p:sldMasterIdLst>
   <p:notesMasterIdLst>
-    <p:notesMasterId r:id="rId21"/>
+    <p:notesMasterId r:id="rId20"/>
   </p:notesMasterIdLst>
   <p:sldIdLst>
     <p:sldId id="256" r:id="rId2"/>
@@ -21,12 +21,11 @@
     <p:sldId id="272" r:id="rId12"/>
     <p:sldId id="273" r:id="rId13"/>
     <p:sldId id="275" r:id="rId14"/>
-    <p:sldId id="262" r:id="rId15"/>
-    <p:sldId id="277" r:id="rId16"/>
+    <p:sldId id="277" r:id="rId15"/>
+    <p:sldId id="262" r:id="rId16"/>
     <p:sldId id="265" r:id="rId17"/>
     <p:sldId id="274" r:id="rId18"/>
     <p:sldId id="278" r:id="rId19"/>
-    <p:sldId id="279" r:id="rId20"/>
   </p:sldIdLst>
   <p:sldSz cx="12192000" cy="6858000"/>
   <p:notesSz cx="6858000" cy="9144000"/>
@@ -227,7 +226,7 @@
           <a:p>
             <a:fld id="{A8F73ED3-BDA9-403F-9587-F00544A46159}" type="datetimeFigureOut">
               <a:rPr lang="ru-RU" smtClean="0"/>
-              <a:t>16.09.2023</a:t>
+              <a:t>19.09.2023</a:t>
             </a:fld>
             <a:endParaRPr lang="ru-RU"/>
           </a:p>
@@ -695,7 +694,7 @@
           <a:p>
             <a:fld id="{D66942D3-9E76-408A-BDCC-B70D672A9436}" type="datetime1">
               <a:rPr lang="ru-RU" smtClean="0"/>
-              <a:t>16.09.2023</a:t>
+              <a:t>19.09.2023</a:t>
             </a:fld>
             <a:endParaRPr lang="ru-RU"/>
           </a:p>
@@ -889,7 +888,7 @@
           <a:p>
             <a:fld id="{642E16B0-1B10-4787-A7F7-57BE615D65F3}" type="datetime1">
               <a:rPr lang="ru-RU" smtClean="0"/>
-              <a:t>16.09.2023</a:t>
+              <a:t>19.09.2023</a:t>
             </a:fld>
             <a:endParaRPr lang="ru-RU"/>
           </a:p>
@@ -1073,7 +1072,7 @@
           <a:p>
             <a:fld id="{B58B265B-5DE6-42E6-AB43-497A391B6271}" type="datetime1">
               <a:rPr lang="ru-RU" smtClean="0"/>
-              <a:t>16.09.2023</a:t>
+              <a:t>19.09.2023</a:t>
             </a:fld>
             <a:endParaRPr lang="ru-RU"/>
           </a:p>
@@ -1247,7 +1246,7 @@
           <a:p>
             <a:fld id="{BFE17598-F1E4-41BC-9670-63C3346BD527}" type="datetime1">
               <a:rPr lang="ru-RU" smtClean="0"/>
-              <a:t>16.09.2023</a:t>
+              <a:t>19.09.2023</a:t>
             </a:fld>
             <a:endParaRPr lang="ru-RU"/>
           </a:p>
@@ -1507,7 +1506,7 @@
           <a:p>
             <a:fld id="{57C10944-23ED-47A4-B382-D362731E0E92}" type="datetime1">
               <a:rPr lang="ru-RU" smtClean="0"/>
-              <a:t>16.09.2023</a:t>
+              <a:t>19.09.2023</a:t>
             </a:fld>
             <a:endParaRPr lang="ru-RU"/>
           </a:p>
@@ -1799,7 +1798,7 @@
           <a:p>
             <a:fld id="{1A3B2AB9-51D0-4E5A-8EF2-062D71A50486}" type="datetime1">
               <a:rPr lang="ru-RU" smtClean="0"/>
-              <a:t>16.09.2023</a:t>
+              <a:t>19.09.2023</a:t>
             </a:fld>
             <a:endParaRPr lang="ru-RU"/>
           </a:p>
@@ -2241,7 +2240,7 @@
           <a:p>
             <a:fld id="{58E6BFE7-FAFA-4F28-9364-EB8CFF0EC6BB}" type="datetime1">
               <a:rPr lang="ru-RU" smtClean="0"/>
-              <a:t>16.09.2023</a:t>
+              <a:t>19.09.2023</a:t>
             </a:fld>
             <a:endParaRPr lang="ru-RU"/>
           </a:p>
@@ -2363,7 +2362,7 @@
           <a:p>
             <a:fld id="{3476C0FB-84BA-44EA-9FC7-7E8F8EA3ECEF}" type="datetime1">
               <a:rPr lang="ru-RU" smtClean="0"/>
-              <a:t>16.09.2023</a:t>
+              <a:t>19.09.2023</a:t>
             </a:fld>
             <a:endParaRPr lang="ru-RU"/>
           </a:p>
@@ -2462,7 +2461,7 @@
           <a:p>
             <a:fld id="{FE9288BC-419E-4C42-AE96-DE8A653AD43B}" type="datetime1">
               <a:rPr lang="ru-RU" smtClean="0"/>
-              <a:t>16.09.2023</a:t>
+              <a:t>19.09.2023</a:t>
             </a:fld>
             <a:endParaRPr lang="ru-RU"/>
           </a:p>
@@ -2822,7 +2821,7 @@
           <a:p>
             <a:fld id="{E4DC4D8A-407B-4511-94C6-456FC6D02A10}" type="datetime1">
               <a:rPr lang="ru-RU" smtClean="0"/>
-              <a:t>16.09.2023</a:t>
+              <a:t>19.09.2023</a:t>
             </a:fld>
             <a:endParaRPr lang="ru-RU"/>
           </a:p>
@@ -3142,7 +3141,7 @@
           <a:p>
             <a:fld id="{8443C8B0-7E3A-459B-9E4F-972B459402B1}" type="datetime1">
               <a:rPr lang="ru-RU" smtClean="0"/>
-              <a:t>16.09.2023</a:t>
+              <a:t>19.09.2023</a:t>
             </a:fld>
             <a:endParaRPr lang="ru-RU"/>
           </a:p>
@@ -3375,7 +3374,7 @@
           <a:p>
             <a:fld id="{B66376C3-0A5E-4C93-8D6A-0F2C219FE98B}" type="datetime1">
               <a:rPr lang="ru-RU" smtClean="0"/>
-              <a:t>16.09.2023</a:t>
+              <a:t>19.09.2023</a:t>
             </a:fld>
             <a:endParaRPr lang="ru-RU"/>
           </a:p>
@@ -5014,183 +5013,6 @@
           <p:cNvPr id="2" name="Title 1">
             <a:extLst>
               <a:ext uri="{FF2B5EF4-FFF2-40B4-BE49-F238E27FC236}">
-                <a16:creationId xmlns:a16="http://schemas.microsoft.com/office/drawing/2014/main" id="{72972532-15E4-409A-A914-0B938A3F21DA}"/>
-              </a:ext>
-            </a:extLst>
-          </p:cNvPr>
-          <p:cNvSpPr>
-            <a:spLocks noGrp="1"/>
-          </p:cNvSpPr>
-          <p:nvPr>
-            <p:ph type="title"/>
-          </p:nvPr>
-        </p:nvSpPr>
-        <p:spPr/>
-        <p:txBody>
-          <a:bodyPr/>
-          <a:lstStyle/>
-          <a:p>
-            <a:r>
-              <a:rPr lang="en-US" dirty="0"/>
-              <a:t>Drone flight altitude</a:t>
-            </a:r>
-            <a:endParaRPr lang="ru-RU" dirty="0"/>
-          </a:p>
-        </p:txBody>
-      </p:sp>
-      <p:sp>
-        <p:nvSpPr>
-          <p:cNvPr id="4" name="Footer Placeholder 3">
-            <a:extLst>
-              <a:ext uri="{FF2B5EF4-FFF2-40B4-BE49-F238E27FC236}">
-                <a16:creationId xmlns:a16="http://schemas.microsoft.com/office/drawing/2014/main" id="{BD9E3796-3158-43B7-B81A-F7DCDCA73DD6}"/>
-              </a:ext>
-            </a:extLst>
-          </p:cNvPr>
-          <p:cNvSpPr>
-            <a:spLocks noGrp="1"/>
-          </p:cNvSpPr>
-          <p:nvPr>
-            <p:ph type="ftr" sz="quarter" idx="11"/>
-          </p:nvPr>
-        </p:nvSpPr>
-        <p:spPr/>
-        <p:txBody>
-          <a:bodyPr/>
-          <a:lstStyle/>
-          <a:p>
-            <a:r>
-              <a:rPr lang="en-US"/>
-              <a:t>Dmitriy Monakhov - Improving Urban Traffic Flow with Drone Supported Vehicular Networks</a:t>
-            </a:r>
-            <a:endParaRPr lang="ru-RU"/>
-          </a:p>
-        </p:txBody>
-      </p:sp>
-      <p:pic>
-        <p:nvPicPr>
-          <p:cNvPr id="10" name="Picture 9">
-            <a:extLst>
-              <a:ext uri="{FF2B5EF4-FFF2-40B4-BE49-F238E27FC236}">
-                <a16:creationId xmlns:a16="http://schemas.microsoft.com/office/drawing/2014/main" id="{AAA30616-2D13-4109-AF8F-6C43982B6EE3}"/>
-              </a:ext>
-            </a:extLst>
-          </p:cNvPr>
-          <p:cNvPicPr>
-            <a:picLocks noChangeAspect="1"/>
-          </p:cNvPicPr>
-          <p:nvPr/>
-        </p:nvPicPr>
-        <p:blipFill>
-          <a:blip r:embed="rId2"/>
-          <a:stretch>
-            <a:fillRect/>
-          </a:stretch>
-        </p:blipFill>
-        <p:spPr>
-          <a:xfrm>
-            <a:off x="1368334" y="1743890"/>
-            <a:ext cx="4543697" cy="4543697"/>
-          </a:xfrm>
-          <a:prstGeom prst="rect">
-            <a:avLst/>
-          </a:prstGeom>
-        </p:spPr>
-      </p:pic>
-      <p:pic>
-        <p:nvPicPr>
-          <p:cNvPr id="12" name="Picture 11">
-            <a:extLst>
-              <a:ext uri="{FF2B5EF4-FFF2-40B4-BE49-F238E27FC236}">
-                <a16:creationId xmlns:a16="http://schemas.microsoft.com/office/drawing/2014/main" id="{C36FC776-EF9E-4A67-B367-ECA47EEC59B9}"/>
-              </a:ext>
-            </a:extLst>
-          </p:cNvPr>
-          <p:cNvPicPr>
-            <a:picLocks noChangeAspect="1"/>
-          </p:cNvPicPr>
-          <p:nvPr/>
-        </p:nvPicPr>
-        <p:blipFill>
-          <a:blip r:embed="rId3"/>
-          <a:stretch>
-            <a:fillRect/>
-          </a:stretch>
-        </p:blipFill>
-        <p:spPr>
-          <a:xfrm>
-            <a:off x="6487886" y="1743891"/>
-            <a:ext cx="4543697" cy="4543697"/>
-          </a:xfrm>
-          <a:prstGeom prst="rect">
-            <a:avLst/>
-          </a:prstGeom>
-        </p:spPr>
-      </p:pic>
-      <p:sp>
-        <p:nvSpPr>
-          <p:cNvPr id="5" name="Slide Number Placeholder 4">
-            <a:extLst>
-              <a:ext uri="{FF2B5EF4-FFF2-40B4-BE49-F238E27FC236}">
-                <a16:creationId xmlns:a16="http://schemas.microsoft.com/office/drawing/2014/main" id="{4BBB8155-B269-4805-9F87-9A0AC6EAC316}"/>
-              </a:ext>
-            </a:extLst>
-          </p:cNvPr>
-          <p:cNvSpPr>
-            <a:spLocks noGrp="1"/>
-          </p:cNvSpPr>
-          <p:nvPr>
-            <p:ph type="sldNum" sz="quarter" idx="12"/>
-          </p:nvPr>
-        </p:nvSpPr>
-        <p:spPr/>
-        <p:txBody>
-          <a:bodyPr/>
-          <a:lstStyle/>
-          <a:p>
-            <a:fld id="{1F30C907-8C8B-495A-85EC-C74452231CE2}" type="slidenum">
-              <a:rPr lang="ru-RU" smtClean="0"/>
-              <a:t>14</a:t>
-            </a:fld>
-            <a:endParaRPr lang="ru-RU" dirty="0"/>
-          </a:p>
-        </p:txBody>
-      </p:sp>
-    </p:spTree>
-    <p:extLst>
-      <p:ext uri="{BB962C8B-B14F-4D97-AF65-F5344CB8AC3E}">
-        <p14:creationId xmlns:p14="http://schemas.microsoft.com/office/powerpoint/2010/main" val="1576473817"/>
-      </p:ext>
-    </p:extLst>
-  </p:cSld>
-  <p:clrMapOvr>
-    <a:masterClrMapping/>
-  </p:clrMapOvr>
-</p:sld>
-</file>
-
-<file path=ppt/slides/slide15.xml><?xml version="1.0" encoding="utf-8"?>
-<p:sld xmlns:a="http://schemas.openxmlformats.org/drawingml/2006/main" xmlns:r="http://schemas.openxmlformats.org/officeDocument/2006/relationships" xmlns:p="http://schemas.openxmlformats.org/presentationml/2006/main">
-  <p:cSld>
-    <p:spTree>
-      <p:nvGrpSpPr>
-        <p:cNvPr id="1" name=""/>
-        <p:cNvGrpSpPr/>
-        <p:nvPr/>
-      </p:nvGrpSpPr>
-      <p:grpSpPr>
-        <a:xfrm>
-          <a:off x="0" y="0"/>
-          <a:ext cx="0" cy="0"/>
-          <a:chOff x="0" y="0"/>
-          <a:chExt cx="0" cy="0"/>
-        </a:xfrm>
-      </p:grpSpPr>
-      <p:sp>
-        <p:nvSpPr>
-          <p:cNvPr id="2" name="Title 1">
-            <a:extLst>
-              <a:ext uri="{FF2B5EF4-FFF2-40B4-BE49-F238E27FC236}">
                 <a16:creationId xmlns:a16="http://schemas.microsoft.com/office/drawing/2014/main" id="{938331DC-D2E8-432E-8612-7D15EE4988B1}"/>
               </a:ext>
             </a:extLst>
@@ -5497,7 +5319,7 @@
           <a:p>
             <a:fld id="{1F30C907-8C8B-495A-85EC-C74452231CE2}" type="slidenum">
               <a:rPr lang="ru-RU" smtClean="0"/>
-              <a:t>15</a:t>
+              <a:t>14</a:t>
             </a:fld>
             <a:endParaRPr lang="ru-RU"/>
           </a:p>
@@ -5942,6 +5764,183 @@
 </p:sld>
 </file>
 
+<file path=ppt/slides/slide15.xml><?xml version="1.0" encoding="utf-8"?>
+<p:sld xmlns:a="http://schemas.openxmlformats.org/drawingml/2006/main" xmlns:r="http://schemas.openxmlformats.org/officeDocument/2006/relationships" xmlns:p="http://schemas.openxmlformats.org/presentationml/2006/main">
+  <p:cSld>
+    <p:spTree>
+      <p:nvGrpSpPr>
+        <p:cNvPr id="1" name=""/>
+        <p:cNvGrpSpPr/>
+        <p:nvPr/>
+      </p:nvGrpSpPr>
+      <p:grpSpPr>
+        <a:xfrm>
+          <a:off x="0" y="0"/>
+          <a:ext cx="0" cy="0"/>
+          <a:chOff x="0" y="0"/>
+          <a:chExt cx="0" cy="0"/>
+        </a:xfrm>
+      </p:grpSpPr>
+      <p:sp>
+        <p:nvSpPr>
+          <p:cNvPr id="2" name="Title 1">
+            <a:extLst>
+              <a:ext uri="{FF2B5EF4-FFF2-40B4-BE49-F238E27FC236}">
+                <a16:creationId xmlns:a16="http://schemas.microsoft.com/office/drawing/2014/main" id="{72972532-15E4-409A-A914-0B938A3F21DA}"/>
+              </a:ext>
+            </a:extLst>
+          </p:cNvPr>
+          <p:cNvSpPr>
+            <a:spLocks noGrp="1"/>
+          </p:cNvSpPr>
+          <p:nvPr>
+            <p:ph type="title"/>
+          </p:nvPr>
+        </p:nvSpPr>
+        <p:spPr/>
+        <p:txBody>
+          <a:bodyPr/>
+          <a:lstStyle/>
+          <a:p>
+            <a:r>
+              <a:rPr lang="en-US" dirty="0"/>
+              <a:t>Drone flight altitude</a:t>
+            </a:r>
+            <a:endParaRPr lang="ru-RU" dirty="0"/>
+          </a:p>
+        </p:txBody>
+      </p:sp>
+      <p:sp>
+        <p:nvSpPr>
+          <p:cNvPr id="4" name="Footer Placeholder 3">
+            <a:extLst>
+              <a:ext uri="{FF2B5EF4-FFF2-40B4-BE49-F238E27FC236}">
+                <a16:creationId xmlns:a16="http://schemas.microsoft.com/office/drawing/2014/main" id="{BD9E3796-3158-43B7-B81A-F7DCDCA73DD6}"/>
+              </a:ext>
+            </a:extLst>
+          </p:cNvPr>
+          <p:cNvSpPr>
+            <a:spLocks noGrp="1"/>
+          </p:cNvSpPr>
+          <p:nvPr>
+            <p:ph type="ftr" sz="quarter" idx="11"/>
+          </p:nvPr>
+        </p:nvSpPr>
+        <p:spPr/>
+        <p:txBody>
+          <a:bodyPr/>
+          <a:lstStyle/>
+          <a:p>
+            <a:r>
+              <a:rPr lang="en-US"/>
+              <a:t>Dmitriy Monakhov - Improving Urban Traffic Flow with Drone Supported Vehicular Networks</a:t>
+            </a:r>
+            <a:endParaRPr lang="ru-RU"/>
+          </a:p>
+        </p:txBody>
+      </p:sp>
+      <p:pic>
+        <p:nvPicPr>
+          <p:cNvPr id="10" name="Picture 9">
+            <a:extLst>
+              <a:ext uri="{FF2B5EF4-FFF2-40B4-BE49-F238E27FC236}">
+                <a16:creationId xmlns:a16="http://schemas.microsoft.com/office/drawing/2014/main" id="{AAA30616-2D13-4109-AF8F-6C43982B6EE3}"/>
+              </a:ext>
+            </a:extLst>
+          </p:cNvPr>
+          <p:cNvPicPr>
+            <a:picLocks noChangeAspect="1"/>
+          </p:cNvPicPr>
+          <p:nvPr/>
+        </p:nvPicPr>
+        <p:blipFill>
+          <a:blip r:embed="rId2"/>
+          <a:stretch>
+            <a:fillRect/>
+          </a:stretch>
+        </p:blipFill>
+        <p:spPr>
+          <a:xfrm>
+            <a:off x="1368334" y="1743890"/>
+            <a:ext cx="4543697" cy="4543697"/>
+          </a:xfrm>
+          <a:prstGeom prst="rect">
+            <a:avLst/>
+          </a:prstGeom>
+        </p:spPr>
+      </p:pic>
+      <p:pic>
+        <p:nvPicPr>
+          <p:cNvPr id="12" name="Picture 11">
+            <a:extLst>
+              <a:ext uri="{FF2B5EF4-FFF2-40B4-BE49-F238E27FC236}">
+                <a16:creationId xmlns:a16="http://schemas.microsoft.com/office/drawing/2014/main" id="{C36FC776-EF9E-4A67-B367-ECA47EEC59B9}"/>
+              </a:ext>
+            </a:extLst>
+          </p:cNvPr>
+          <p:cNvPicPr>
+            <a:picLocks noChangeAspect="1"/>
+          </p:cNvPicPr>
+          <p:nvPr/>
+        </p:nvPicPr>
+        <p:blipFill>
+          <a:blip r:embed="rId3"/>
+          <a:stretch>
+            <a:fillRect/>
+          </a:stretch>
+        </p:blipFill>
+        <p:spPr>
+          <a:xfrm>
+            <a:off x="6487886" y="1743891"/>
+            <a:ext cx="4543697" cy="4543697"/>
+          </a:xfrm>
+          <a:prstGeom prst="rect">
+            <a:avLst/>
+          </a:prstGeom>
+        </p:spPr>
+      </p:pic>
+      <p:sp>
+        <p:nvSpPr>
+          <p:cNvPr id="5" name="Slide Number Placeholder 4">
+            <a:extLst>
+              <a:ext uri="{FF2B5EF4-FFF2-40B4-BE49-F238E27FC236}">
+                <a16:creationId xmlns:a16="http://schemas.microsoft.com/office/drawing/2014/main" id="{4BBB8155-B269-4805-9F87-9A0AC6EAC316}"/>
+              </a:ext>
+            </a:extLst>
+          </p:cNvPr>
+          <p:cNvSpPr>
+            <a:spLocks noGrp="1"/>
+          </p:cNvSpPr>
+          <p:nvPr>
+            <p:ph type="sldNum" sz="quarter" idx="12"/>
+          </p:nvPr>
+        </p:nvSpPr>
+        <p:spPr/>
+        <p:txBody>
+          <a:bodyPr/>
+          <a:lstStyle/>
+          <a:p>
+            <a:fld id="{1F30C907-8C8B-495A-85EC-C74452231CE2}" type="slidenum">
+              <a:rPr lang="ru-RU" smtClean="0"/>
+              <a:t>15</a:t>
+            </a:fld>
+            <a:endParaRPr lang="ru-RU" dirty="0"/>
+          </a:p>
+        </p:txBody>
+      </p:sp>
+    </p:spTree>
+    <p:extLst>
+      <p:ext uri="{BB962C8B-B14F-4D97-AF65-F5344CB8AC3E}">
+        <p14:creationId xmlns:p14="http://schemas.microsoft.com/office/powerpoint/2010/main" val="1576473817"/>
+      </p:ext>
+    </p:extLst>
+  </p:cSld>
+  <p:clrMapOvr>
+    <a:masterClrMapping/>
+  </p:clrMapOvr>
+</p:sld>
+</file>
+
 <file path=ppt/slides/slide16.xml><?xml version="1.0" encoding="utf-8"?>
 <p:sld xmlns:a="http://schemas.openxmlformats.org/drawingml/2006/main" xmlns:r="http://schemas.openxmlformats.org/officeDocument/2006/relationships" xmlns:p="http://schemas.openxmlformats.org/presentationml/2006/main">
   <p:cSld>
@@ -6459,8 +6458,39 @@
             </a:pPr>
             <a:r>
               <a:rPr lang="en-US" sz="3200" dirty="0"/>
-              <a:t>Urban traffic improvement can be achieved!</a:t>
-            </a:r>
+              <a:t>Urban traffic improvement can be achieved: 42</a:t>
+            </a:r>
+            <a:r>
+              <a:rPr lang="ru-RU" sz="3200" dirty="0"/>
+              <a:t>% </a:t>
+            </a:r>
+            <a:r>
+              <a:rPr lang="en-US" sz="3200" dirty="0"/>
+              <a:t>less jammed vehicles in the best case</a:t>
+            </a:r>
+          </a:p>
+          <a:p>
+            <a:pPr>
+              <a:buFont typeface="Wingdings" panose="05000000000000000000" pitchFamily="2" charset="2"/>
+              <a:buChar char="Ø"/>
+            </a:pPr>
+            <a:r>
+              <a:rPr lang="en-US" sz="3200" dirty="0"/>
+              <a:t>Project code can be easily integrated into Veins</a:t>
+            </a:r>
+          </a:p>
+          <a:p>
+            <a:pPr>
+              <a:buFont typeface="Wingdings" panose="05000000000000000000" pitchFamily="2" charset="2"/>
+              <a:buChar char="Ø"/>
+            </a:pPr>
+            <a:endParaRPr lang="en-US" sz="3200" dirty="0"/>
+          </a:p>
+          <a:p>
+            <a:pPr marL="0" indent="0">
+              <a:buNone/>
+            </a:pPr>
+            <a:endParaRPr lang="en-US" sz="3200" dirty="0"/>
           </a:p>
         </p:txBody>
       </p:sp>
@@ -6526,199 +6556,6 @@
     <p:extLst>
       <p:ext uri="{BB962C8B-B14F-4D97-AF65-F5344CB8AC3E}">
         <p14:creationId xmlns:p14="http://schemas.microsoft.com/office/powerpoint/2010/main" val="1111278297"/>
-      </p:ext>
-    </p:extLst>
-  </p:cSld>
-  <p:clrMapOvr>
-    <a:masterClrMapping/>
-  </p:clrMapOvr>
-</p:sld>
-</file>
-
-<file path=ppt/slides/slide19.xml><?xml version="1.0" encoding="utf-8"?>
-<p:sld xmlns:a="http://schemas.openxmlformats.org/drawingml/2006/main" xmlns:r="http://schemas.openxmlformats.org/officeDocument/2006/relationships" xmlns:p="http://schemas.openxmlformats.org/presentationml/2006/main">
-  <p:cSld>
-    <p:spTree>
-      <p:nvGrpSpPr>
-        <p:cNvPr id="1" name=""/>
-        <p:cNvGrpSpPr/>
-        <p:nvPr/>
-      </p:nvGrpSpPr>
-      <p:grpSpPr>
-        <a:xfrm>
-          <a:off x="0" y="0"/>
-          <a:ext cx="0" cy="0"/>
-          <a:chOff x="0" y="0"/>
-          <a:chExt cx="0" cy="0"/>
-        </a:xfrm>
-      </p:grpSpPr>
-      <p:sp>
-        <p:nvSpPr>
-          <p:cNvPr id="2" name="Title 1">
-            <a:extLst>
-              <a:ext uri="{FF2B5EF4-FFF2-40B4-BE49-F238E27FC236}">
-                <a16:creationId xmlns:a16="http://schemas.microsoft.com/office/drawing/2014/main" id="{96B47543-0EB5-472B-98FD-14180CEFED47}"/>
-              </a:ext>
-            </a:extLst>
-          </p:cNvPr>
-          <p:cNvSpPr>
-            <a:spLocks noGrp="1"/>
-          </p:cNvSpPr>
-          <p:nvPr>
-            <p:ph type="title"/>
-          </p:nvPr>
-        </p:nvSpPr>
-        <p:spPr/>
-        <p:txBody>
-          <a:bodyPr/>
-          <a:lstStyle/>
-          <a:p>
-            <a:r>
-              <a:rPr lang="en-US" dirty="0"/>
-              <a:t>Conclusion</a:t>
-            </a:r>
-            <a:endParaRPr lang="ru-RU" dirty="0"/>
-          </a:p>
-        </p:txBody>
-      </p:sp>
-      <p:sp>
-        <p:nvSpPr>
-          <p:cNvPr id="3" name="Content Placeholder 2">
-            <a:extLst>
-              <a:ext uri="{FF2B5EF4-FFF2-40B4-BE49-F238E27FC236}">
-                <a16:creationId xmlns:a16="http://schemas.microsoft.com/office/drawing/2014/main" id="{C442BE23-BDE1-42E0-A5D7-D98BE4E98DF0}"/>
-              </a:ext>
-            </a:extLst>
-          </p:cNvPr>
-          <p:cNvSpPr>
-            <a:spLocks noGrp="1"/>
-          </p:cNvSpPr>
-          <p:nvPr>
-            <p:ph idx="1"/>
-          </p:nvPr>
-        </p:nvSpPr>
-        <p:spPr/>
-        <p:txBody>
-          <a:bodyPr>
-            <a:normAutofit/>
-          </a:bodyPr>
-          <a:lstStyle/>
-          <a:p>
-            <a:pPr>
-              <a:buFont typeface="Wingdings" panose="05000000000000000000" pitchFamily="2" charset="2"/>
-              <a:buChar char="Ø"/>
-            </a:pPr>
-            <a:r>
-              <a:rPr lang="en-US" sz="3200" dirty="0"/>
-              <a:t>Software simulation was implemented</a:t>
-            </a:r>
-          </a:p>
-          <a:p>
-            <a:pPr>
-              <a:buFont typeface="Wingdings" panose="05000000000000000000" pitchFamily="2" charset="2"/>
-              <a:buChar char="Ø"/>
-            </a:pPr>
-            <a:endParaRPr lang="en-US" sz="3200" dirty="0"/>
-          </a:p>
-          <a:p>
-            <a:pPr>
-              <a:buFont typeface="Wingdings" panose="05000000000000000000" pitchFamily="2" charset="2"/>
-              <a:buChar char="Ø"/>
-            </a:pPr>
-            <a:r>
-              <a:rPr lang="en-US" sz="3200" dirty="0"/>
-              <a:t>Simulation results showed significant improvement in traffic flow (42</a:t>
-            </a:r>
-            <a:r>
-              <a:rPr lang="ru-RU" sz="3200" dirty="0"/>
-              <a:t>% </a:t>
-            </a:r>
-            <a:r>
-              <a:rPr lang="en-US" sz="3200" dirty="0"/>
-              <a:t>less jammed vehicles in the best case)</a:t>
-            </a:r>
-          </a:p>
-          <a:p>
-            <a:pPr>
-              <a:buFont typeface="Wingdings" panose="05000000000000000000" pitchFamily="2" charset="2"/>
-              <a:buChar char="Ø"/>
-            </a:pPr>
-            <a:endParaRPr lang="en-US" sz="3200" dirty="0"/>
-          </a:p>
-          <a:p>
-            <a:pPr>
-              <a:buFont typeface="Wingdings" panose="05000000000000000000" pitchFamily="2" charset="2"/>
-              <a:buChar char="Ø"/>
-            </a:pPr>
-            <a:r>
-              <a:rPr lang="en-US" sz="3200" dirty="0"/>
-              <a:t>Project code can be easily integrated into Veins</a:t>
-            </a:r>
-          </a:p>
-        </p:txBody>
-      </p:sp>
-      <p:sp>
-        <p:nvSpPr>
-          <p:cNvPr id="4" name="Footer Placeholder 3">
-            <a:extLst>
-              <a:ext uri="{FF2B5EF4-FFF2-40B4-BE49-F238E27FC236}">
-                <a16:creationId xmlns:a16="http://schemas.microsoft.com/office/drawing/2014/main" id="{9A76BE0E-DAE4-428A-A543-A00DDFDBBF04}"/>
-              </a:ext>
-            </a:extLst>
-          </p:cNvPr>
-          <p:cNvSpPr>
-            <a:spLocks noGrp="1"/>
-          </p:cNvSpPr>
-          <p:nvPr>
-            <p:ph type="ftr" sz="quarter" idx="11"/>
-          </p:nvPr>
-        </p:nvSpPr>
-        <p:spPr/>
-        <p:txBody>
-          <a:bodyPr/>
-          <a:lstStyle/>
-          <a:p>
-            <a:r>
-              <a:rPr lang="en-US"/>
-              <a:t>Dmitriy Monakhov - Improving Urban Traffic Flow with Drone Supported Vehicular Networks</a:t>
-            </a:r>
-            <a:endParaRPr lang="ru-RU"/>
-          </a:p>
-        </p:txBody>
-      </p:sp>
-      <p:sp>
-        <p:nvSpPr>
-          <p:cNvPr id="5" name="Slide Number Placeholder 4">
-            <a:extLst>
-              <a:ext uri="{FF2B5EF4-FFF2-40B4-BE49-F238E27FC236}">
-                <a16:creationId xmlns:a16="http://schemas.microsoft.com/office/drawing/2014/main" id="{DA1706E0-37C5-47D5-AECB-D2F91CAA1EC1}"/>
-              </a:ext>
-            </a:extLst>
-          </p:cNvPr>
-          <p:cNvSpPr>
-            <a:spLocks noGrp="1"/>
-          </p:cNvSpPr>
-          <p:nvPr>
-            <p:ph type="sldNum" sz="quarter" idx="12"/>
-          </p:nvPr>
-        </p:nvSpPr>
-        <p:spPr/>
-        <p:txBody>
-          <a:bodyPr/>
-          <a:lstStyle/>
-          <a:p>
-            <a:fld id="{1F30C907-8C8B-495A-85EC-C74452231CE2}" type="slidenum">
-              <a:rPr lang="ru-RU" smtClean="0"/>
-              <a:t>19</a:t>
-            </a:fld>
-            <a:endParaRPr lang="ru-RU"/>
-          </a:p>
-        </p:txBody>
-      </p:sp>
-    </p:spTree>
-    <p:extLst>
-      <p:ext uri="{BB962C8B-B14F-4D97-AF65-F5344CB8AC3E}">
-        <p14:creationId xmlns:p14="http://schemas.microsoft.com/office/powerpoint/2010/main" val="42028402"/>
       </p:ext>
     </p:extLst>
   </p:cSld>
